--- a/Курсовая_Ионов_Т_ИУ9-61Б.pptx
+++ b/Курсовая_Ионов_Т_ИУ9-61Б.pptx
@@ -15,11 +15,13 @@
     <p:sldId id="263" r:id="rId9"/>
     <p:sldId id="264" r:id="rId10"/>
     <p:sldId id="265" r:id="rId11"/>
-    <p:sldId id="266" r:id="rId12"/>
-    <p:sldId id="267" r:id="rId13"/>
-    <p:sldId id="268" r:id="rId14"/>
-    <p:sldId id="269" r:id="rId15"/>
-    <p:sldId id="270" r:id="rId16"/>
+    <p:sldId id="272" r:id="rId12"/>
+    <p:sldId id="266" r:id="rId13"/>
+    <p:sldId id="267" r:id="rId14"/>
+    <p:sldId id="268" r:id="rId15"/>
+    <p:sldId id="269" r:id="rId16"/>
+    <p:sldId id="270" r:id="rId17"/>
+    <p:sldId id="271" r:id="rId18"/>
   </p:sldIdLst>
   <p:sldSz cx="12192000" cy="6858000"/>
   <p:notesSz cx="6858000" cy="9144000"/>
@@ -118,6 +120,11 @@
       </a:defRPr>
     </a:lvl9pPr>
   </p:defaultTextStyle>
+  <p:extLst>
+    <p:ext uri="{EFAFB233-063F-42B5-8137-9DF3F51BA10A}">
+      <p15:sldGuideLst xmlns:p15="http://schemas.microsoft.com/office/powerpoint/2012/main"/>
+    </p:ext>
+  </p:extLst>
 </p:presentation>
 </file>
 
@@ -3360,8 +3367,28 @@
           <a:p>
             <a:r>
               <a:rPr lang="ru-RU" dirty="0"/>
+              <a:t>Курсовая работа </a:t>
+            </a:r>
+            <a:br>
+              <a:rPr lang="ru-RU" dirty="0"/>
+            </a:br>
+            <a:r>
+              <a:rPr lang="ru-RU" dirty="0"/>
+              <a:t>на тему</a:t>
+            </a:r>
+            <a:r>
+              <a:rPr lang="en-US" dirty="0"/>
+              <a:t>: “</a:t>
+            </a:r>
+            <a:r>
+              <a:rPr lang="ru-RU" dirty="0"/>
               <a:t>База данных стоматологической клиники</a:t>
             </a:r>
+            <a:r>
+              <a:rPr lang="en-US" dirty="0"/>
+              <a:t>”</a:t>
+            </a:r>
+            <a:endParaRPr lang="ru-RU" dirty="0"/>
           </a:p>
         </p:txBody>
       </p:sp>
@@ -3526,7 +3553,7 @@
               </a:spcAft>
             </a:pPr>
             <a:r>
-              <a:rPr lang="en-US" sz="1800" dirty="0">
+              <a:rPr lang="en-US" sz="1800">
                 <a:solidFill>
                   <a:srgbClr val="0000FF"/>
                 </a:solidFill>
@@ -3538,7 +3565,7 @@
               <a:t>def</a:t>
             </a:r>
             <a:r>
-              <a:rPr lang="en-US" sz="1800" dirty="0">
+              <a:rPr lang="en-US" sz="1800">
                 <a:solidFill>
                   <a:srgbClr val="000000"/>
                 </a:solidFill>
@@ -3550,7 +3577,7 @@
               <a:t> </a:t>
             </a:r>
             <a:r>
-              <a:rPr lang="en-US" sz="1800" dirty="0">
+              <a:rPr lang="en-US" sz="1800">
                 <a:solidFill>
                   <a:srgbClr val="795E26"/>
                 </a:solidFill>
@@ -3562,7 +3589,7 @@
               <a:t>insert</a:t>
             </a:r>
             <a:r>
-              <a:rPr lang="en-US" sz="1800" dirty="0">
+              <a:rPr lang="en-US" sz="1800">
                 <a:solidFill>
                   <a:srgbClr val="000000"/>
                 </a:solidFill>
@@ -3574,7 +3601,7 @@
               <a:t>(</a:t>
             </a:r>
             <a:r>
-              <a:rPr lang="en-US" sz="1800" dirty="0">
+              <a:rPr lang="en-US" sz="1800">
                 <a:solidFill>
                   <a:srgbClr val="001080"/>
                 </a:solidFill>
@@ -3586,7 +3613,7 @@
               <a:t>entity</a:t>
             </a:r>
             <a:r>
-              <a:rPr lang="en-US" sz="1800" dirty="0">
+              <a:rPr lang="en-US" sz="1800">
                 <a:solidFill>
                   <a:srgbClr val="000000"/>
                 </a:solidFill>
@@ -3598,7 +3625,7 @@
               <a:t>: </a:t>
             </a:r>
             <a:r>
-              <a:rPr lang="en-US" sz="1800" dirty="0">
+              <a:rPr lang="en-US" sz="1800">
                 <a:solidFill>
                   <a:srgbClr val="267F99"/>
                 </a:solidFill>
@@ -3610,7 +3637,7 @@
               <a:t>Entity</a:t>
             </a:r>
             <a:r>
-              <a:rPr lang="en-US" sz="1800" dirty="0">
+              <a:rPr lang="en-US" sz="1800">
                 <a:solidFill>
                   <a:srgbClr val="000000"/>
                 </a:solidFill>
@@ -3622,7 +3649,7 @@
               <a:t>, </a:t>
             </a:r>
             <a:r>
-              <a:rPr lang="en-US" sz="1800" dirty="0">
+              <a:rPr lang="en-US" sz="1800">
                 <a:solidFill>
                   <a:srgbClr val="001080"/>
                 </a:solidFill>
@@ -3634,7 +3661,7 @@
               <a:t>conn</a:t>
             </a:r>
             <a:r>
-              <a:rPr lang="en-US" sz="1800" dirty="0">
+              <a:rPr lang="en-US" sz="1800">
                 <a:solidFill>
                   <a:srgbClr val="000000"/>
                 </a:solidFill>
@@ -3646,7 +3673,7 @@
               <a:t>=</a:t>
             </a:r>
             <a:r>
-              <a:rPr lang="en-US" sz="1800" dirty="0" err="1">
+              <a:rPr lang="en-US" sz="1800">
                 <a:solidFill>
                   <a:srgbClr val="795E26"/>
                 </a:solidFill>
@@ -3658,7 +3685,7 @@
               <a:t>get_connection</a:t>
             </a:r>
             <a:r>
-              <a:rPr lang="en-US" sz="1800" dirty="0">
+              <a:rPr lang="en-US" sz="1800">
                 <a:solidFill>
                   <a:srgbClr val="000000"/>
                 </a:solidFill>
@@ -3669,7 +3696,7 @@
               </a:rPr>
               <a:t>()):</a:t>
             </a:r>
-            <a:endParaRPr lang="ru-RU" sz="2800" dirty="0">
+            <a:endParaRPr lang="ru-RU" sz="2800">
               <a:effectLst/>
               <a:latin typeface="Calibri" panose="020F0502020204030204" pitchFamily="34" charset="0"/>
               <a:ea typeface="Calibri" panose="020F0502020204030204" pitchFamily="34" charset="0"/>
@@ -3686,7 +3713,7 @@
               </a:spcAft>
             </a:pPr>
             <a:r>
-              <a:rPr lang="en-US" sz="1800" dirty="0">
+              <a:rPr lang="en-US" sz="1800">
                 <a:solidFill>
                   <a:srgbClr val="000000"/>
                 </a:solidFill>
@@ -3698,7 +3725,7 @@
               <a:t>    </a:t>
             </a:r>
             <a:r>
-              <a:rPr lang="en-US" sz="1800" dirty="0" err="1">
+              <a:rPr lang="en-US" sz="1800">
                 <a:solidFill>
                   <a:srgbClr val="001080"/>
                 </a:solidFill>
@@ -3710,7 +3737,7 @@
               <a:t>table_name</a:t>
             </a:r>
             <a:r>
-              <a:rPr lang="en-US" sz="1800" dirty="0">
+              <a:rPr lang="en-US" sz="1800">
                 <a:solidFill>
                   <a:srgbClr val="000000"/>
                 </a:solidFill>
@@ -3722,7 +3749,7 @@
               <a:t> = </a:t>
             </a:r>
             <a:r>
-              <a:rPr lang="en-US" sz="1800" dirty="0" err="1">
+              <a:rPr lang="en-US" sz="1800">
                 <a:solidFill>
                   <a:srgbClr val="001080"/>
                 </a:solidFill>
@@ -3734,7 +3761,7 @@
               <a:t>entity</a:t>
             </a:r>
             <a:r>
-              <a:rPr lang="en-US" sz="1800" dirty="0" err="1">
+              <a:rPr lang="en-US" sz="1800">
                 <a:solidFill>
                   <a:srgbClr val="000000"/>
                 </a:solidFill>
@@ -3746,7 +3773,7 @@
               <a:t>.</a:t>
             </a:r>
             <a:r>
-              <a:rPr lang="en-US" sz="1800" dirty="0" err="1">
+              <a:rPr lang="en-US" sz="1800">
                 <a:solidFill>
                   <a:srgbClr val="001080"/>
                 </a:solidFill>
@@ -3758,7 +3785,7 @@
               <a:t>__class__</a:t>
             </a:r>
             <a:r>
-              <a:rPr lang="en-US" sz="1800" dirty="0" err="1">
+              <a:rPr lang="en-US" sz="1800">
                 <a:solidFill>
                   <a:srgbClr val="000000"/>
                 </a:solidFill>
@@ -3770,7 +3797,7 @@
               <a:t>.</a:t>
             </a:r>
             <a:r>
-              <a:rPr lang="en-US" sz="1800" dirty="0" err="1">
+              <a:rPr lang="en-US" sz="1800">
                 <a:solidFill>
                   <a:srgbClr val="001080"/>
                 </a:solidFill>
@@ -3782,7 +3809,7 @@
               <a:t>__name__</a:t>
             </a:r>
             <a:r>
-              <a:rPr lang="en-US" sz="1800" dirty="0" err="1">
+              <a:rPr lang="en-US" sz="1800">
                 <a:solidFill>
                   <a:srgbClr val="000000"/>
                 </a:solidFill>
@@ -3794,7 +3821,7 @@
               <a:t>.</a:t>
             </a:r>
             <a:r>
-              <a:rPr lang="en-US" sz="1800" dirty="0" err="1">
+              <a:rPr lang="en-US" sz="1800">
                 <a:solidFill>
                   <a:srgbClr val="795E26"/>
                 </a:solidFill>
@@ -3806,7 +3833,7 @@
               <a:t>lower</a:t>
             </a:r>
             <a:r>
-              <a:rPr lang="en-US" sz="1800" dirty="0">
+              <a:rPr lang="en-US" sz="1800">
                 <a:solidFill>
                   <a:srgbClr val="000000"/>
                 </a:solidFill>
@@ -3817,7 +3844,7 @@
               </a:rPr>
               <a:t>()</a:t>
             </a:r>
-            <a:endParaRPr lang="ru-RU" sz="2800" dirty="0">
+            <a:endParaRPr lang="ru-RU" sz="2800">
               <a:effectLst/>
               <a:latin typeface="Calibri" panose="020F0502020204030204" pitchFamily="34" charset="0"/>
               <a:ea typeface="Calibri" panose="020F0502020204030204" pitchFamily="34" charset="0"/>
@@ -3834,7 +3861,7 @@
               </a:spcAft>
             </a:pPr>
             <a:r>
-              <a:rPr lang="en-US" sz="1800" dirty="0">
+              <a:rPr lang="en-US" sz="1800">
                 <a:solidFill>
                   <a:srgbClr val="000000"/>
                 </a:solidFill>
@@ -3846,7 +3873,7 @@
               <a:t>    </a:t>
             </a:r>
             <a:r>
-              <a:rPr lang="en-US" sz="1800" dirty="0">
+              <a:rPr lang="en-US" sz="1800">
                 <a:solidFill>
                   <a:srgbClr val="001080"/>
                 </a:solidFill>
@@ -3858,7 +3885,7 @@
               <a:t>query</a:t>
             </a:r>
             <a:r>
-              <a:rPr lang="en-US" sz="1800" dirty="0">
+              <a:rPr lang="en-US" sz="1800">
                 <a:solidFill>
                   <a:srgbClr val="000000"/>
                 </a:solidFill>
@@ -3870,7 +3897,7 @@
               <a:t> = </a:t>
             </a:r>
             <a:r>
-              <a:rPr lang="en-US" sz="1800" dirty="0" err="1">
+              <a:rPr lang="en-US" sz="1800">
                 <a:solidFill>
                   <a:srgbClr val="0000FF"/>
                 </a:solidFill>
@@ -3882,7 +3909,7 @@
               <a:t>f</a:t>
             </a:r>
             <a:r>
-              <a:rPr lang="en-US" sz="1800" dirty="0" err="1">
+              <a:rPr lang="en-US" sz="1800">
                 <a:solidFill>
                   <a:srgbClr val="A31515"/>
                 </a:solidFill>
@@ -3891,10 +3918,46 @@
                 <a:ea typeface="Times New Roman" panose="02020603050405020304" pitchFamily="18" charset="0"/>
                 <a:cs typeface="Times New Roman" panose="02020603050405020304" pitchFamily="18" charset="0"/>
               </a:rPr>
-              <a:t>'insert</a:t>
-            </a:r>
-            <a:r>
-              <a:rPr lang="en-US" sz="1800" dirty="0">
+              <a:t>'insert into </a:t>
+            </a:r>
+            <a:r>
+              <a:rPr lang="en-US" sz="1800">
+                <a:solidFill>
+                  <a:srgbClr val="0000FF"/>
+                </a:solidFill>
+                <a:effectLst/>
+                <a:latin typeface="Courier New" panose="02070309020205020404" pitchFamily="49" charset="0"/>
+                <a:ea typeface="Times New Roman" panose="02020603050405020304" pitchFamily="18" charset="0"/>
+                <a:cs typeface="Times New Roman" panose="02020603050405020304" pitchFamily="18" charset="0"/>
+              </a:rPr>
+              <a:t>{</a:t>
+            </a:r>
+            <a:r>
+              <a:rPr lang="en-US" sz="1800">
+                <a:solidFill>
+                  <a:srgbClr val="001080"/>
+                </a:solidFill>
+                <a:effectLst/>
+                <a:latin typeface="Courier New" panose="02070309020205020404" pitchFamily="49" charset="0"/>
+                <a:ea typeface="Times New Roman" panose="02020603050405020304" pitchFamily="18" charset="0"/>
+                <a:cs typeface="Times New Roman" panose="02020603050405020304" pitchFamily="18" charset="0"/>
+              </a:rPr>
+              <a:t>table_name</a:t>
+            </a:r>
+            <a:r>
+              <a:rPr lang="en-US" sz="1800">
+                <a:solidFill>
+                  <a:srgbClr val="0000FF"/>
+                </a:solidFill>
+                <a:effectLst/>
+                <a:latin typeface="Courier New" panose="02070309020205020404" pitchFamily="49" charset="0"/>
+                <a:ea typeface="Times New Roman" panose="02020603050405020304" pitchFamily="18" charset="0"/>
+                <a:cs typeface="Times New Roman" panose="02020603050405020304" pitchFamily="18" charset="0"/>
+              </a:rPr>
+              <a:t>}</a:t>
+            </a:r>
+            <a:r>
+              <a:rPr lang="en-US" sz="1800">
                 <a:solidFill>
                   <a:srgbClr val="A31515"/>
                 </a:solidFill>
@@ -3903,57 +3966,9 @@
                 <a:ea typeface="Times New Roman" panose="02020603050405020304" pitchFamily="18" charset="0"/>
                 <a:cs typeface="Times New Roman" panose="02020603050405020304" pitchFamily="18" charset="0"/>
               </a:rPr>
-              <a:t> into </a:t>
-            </a:r>
-            <a:r>
-              <a:rPr lang="en-US" sz="1800" dirty="0">
-                <a:solidFill>
-                  <a:srgbClr val="0000FF"/>
-                </a:solidFill>
-                <a:effectLst/>
-                <a:latin typeface="Courier New" panose="02070309020205020404" pitchFamily="49" charset="0"/>
-                <a:ea typeface="Times New Roman" panose="02020603050405020304" pitchFamily="18" charset="0"/>
-                <a:cs typeface="Times New Roman" panose="02020603050405020304" pitchFamily="18" charset="0"/>
-              </a:rPr>
-              <a:t>{</a:t>
-            </a:r>
-            <a:r>
-              <a:rPr lang="en-US" sz="1800" dirty="0" err="1">
-                <a:solidFill>
-                  <a:srgbClr val="001080"/>
-                </a:solidFill>
-                <a:effectLst/>
-                <a:latin typeface="Courier New" panose="02070309020205020404" pitchFamily="49" charset="0"/>
-                <a:ea typeface="Times New Roman" panose="02020603050405020304" pitchFamily="18" charset="0"/>
-                <a:cs typeface="Times New Roman" panose="02020603050405020304" pitchFamily="18" charset="0"/>
-              </a:rPr>
-              <a:t>table_name</a:t>
-            </a:r>
-            <a:r>
-              <a:rPr lang="en-US" sz="1800" dirty="0">
-                <a:solidFill>
-                  <a:srgbClr val="0000FF"/>
-                </a:solidFill>
-                <a:effectLst/>
-                <a:latin typeface="Courier New" panose="02070309020205020404" pitchFamily="49" charset="0"/>
-                <a:ea typeface="Times New Roman" panose="02020603050405020304" pitchFamily="18" charset="0"/>
-                <a:cs typeface="Times New Roman" panose="02020603050405020304" pitchFamily="18" charset="0"/>
-              </a:rPr>
-              <a:t>}</a:t>
-            </a:r>
-            <a:r>
-              <a:rPr lang="en-US" sz="1800" dirty="0">
-                <a:solidFill>
-                  <a:srgbClr val="A31515"/>
-                </a:solidFill>
-                <a:effectLst/>
-                <a:latin typeface="Courier New" panose="02070309020205020404" pitchFamily="49" charset="0"/>
-                <a:ea typeface="Times New Roman" panose="02020603050405020304" pitchFamily="18" charset="0"/>
-                <a:cs typeface="Times New Roman" panose="02020603050405020304" pitchFamily="18" charset="0"/>
-              </a:rPr>
               <a:t>'</a:t>
             </a:r>
-            <a:endParaRPr lang="ru-RU" sz="2800" dirty="0">
+            <a:endParaRPr lang="ru-RU" sz="2800">
               <a:effectLst/>
               <a:latin typeface="Calibri" panose="020F0502020204030204" pitchFamily="34" charset="0"/>
               <a:ea typeface="Calibri" panose="020F0502020204030204" pitchFamily="34" charset="0"/>
@@ -3970,7 +3985,7 @@
               </a:spcAft>
             </a:pPr>
             <a:r>
-              <a:rPr lang="en-US" sz="1800" dirty="0">
+              <a:rPr lang="en-US" sz="1800">
                 <a:solidFill>
                   <a:srgbClr val="000000"/>
                 </a:solidFill>
@@ -3982,7 +3997,7 @@
               <a:t>    </a:t>
             </a:r>
             <a:r>
-              <a:rPr lang="en-US" sz="1800" dirty="0">
+              <a:rPr lang="en-US" sz="1800">
                 <a:solidFill>
                   <a:srgbClr val="001080"/>
                 </a:solidFill>
@@ -3994,7 +4009,7 @@
               <a:t>d</a:t>
             </a:r>
             <a:r>
-              <a:rPr lang="en-US" sz="1800" dirty="0">
+              <a:rPr lang="en-US" sz="1800">
                 <a:solidFill>
                   <a:srgbClr val="000000"/>
                 </a:solidFill>
@@ -4006,7 +4021,7 @@
               <a:t> = </a:t>
             </a:r>
             <a:r>
-              <a:rPr lang="en-US" sz="1800" dirty="0" err="1">
+              <a:rPr lang="en-US" sz="1800">
                 <a:solidFill>
                   <a:srgbClr val="001080"/>
                 </a:solidFill>
@@ -4018,7 +4033,7 @@
               <a:t>entity</a:t>
             </a:r>
             <a:r>
-              <a:rPr lang="en-US" sz="1800" dirty="0" err="1">
+              <a:rPr lang="en-US" sz="1800">
                 <a:solidFill>
                   <a:srgbClr val="000000"/>
                 </a:solidFill>
@@ -4030,7 +4045,7 @@
               <a:t>.</a:t>
             </a:r>
             <a:r>
-              <a:rPr lang="en-US" sz="1800" dirty="0" err="1">
+              <a:rPr lang="en-US" sz="1800">
                 <a:solidFill>
                   <a:srgbClr val="795E26"/>
                 </a:solidFill>
@@ -4042,7 +4057,7 @@
               <a:t>get_data</a:t>
             </a:r>
             <a:r>
-              <a:rPr lang="en-US" sz="1800" dirty="0">
+              <a:rPr lang="en-US" sz="1800">
                 <a:solidFill>
                   <a:srgbClr val="000000"/>
                 </a:solidFill>
@@ -4053,7 +4068,7 @@
               </a:rPr>
               <a:t>()</a:t>
             </a:r>
-            <a:endParaRPr lang="ru-RU" sz="2800" dirty="0">
+            <a:endParaRPr lang="ru-RU" sz="2800">
               <a:effectLst/>
               <a:latin typeface="Calibri" panose="020F0502020204030204" pitchFamily="34" charset="0"/>
               <a:ea typeface="Calibri" panose="020F0502020204030204" pitchFamily="34" charset="0"/>
@@ -4070,7 +4085,7 @@
               </a:spcAft>
             </a:pPr>
             <a:r>
-              <a:rPr lang="en-US" sz="1800" dirty="0">
+              <a:rPr lang="en-US" sz="1800">
                 <a:solidFill>
                   <a:srgbClr val="000000"/>
                 </a:solidFill>
@@ -4082,7 +4097,7 @@
               <a:t>    </a:t>
             </a:r>
             <a:r>
-              <a:rPr lang="en-US" sz="1800" dirty="0">
+              <a:rPr lang="en-US" sz="1800">
                 <a:solidFill>
                   <a:srgbClr val="001080"/>
                 </a:solidFill>
@@ -4094,7 +4109,7 @@
               <a:t>fields</a:t>
             </a:r>
             <a:r>
-              <a:rPr lang="en-US" sz="1800" dirty="0">
+              <a:rPr lang="en-US" sz="1800">
                 <a:solidFill>
                   <a:srgbClr val="000000"/>
                 </a:solidFill>
@@ -4106,7 +4121,7 @@
               <a:t> = </a:t>
             </a:r>
             <a:r>
-              <a:rPr lang="en-US" sz="1800" dirty="0" err="1">
+              <a:rPr lang="en-US" sz="1800">
                 <a:solidFill>
                   <a:srgbClr val="001080"/>
                 </a:solidFill>
@@ -4118,7 +4133,7 @@
               <a:t>d</a:t>
             </a:r>
             <a:r>
-              <a:rPr lang="en-US" sz="1800" dirty="0" err="1">
+              <a:rPr lang="en-US" sz="1800">
                 <a:solidFill>
                   <a:srgbClr val="000000"/>
                 </a:solidFill>
@@ -4130,7 +4145,7 @@
               <a:t>.</a:t>
             </a:r>
             <a:r>
-              <a:rPr lang="en-US" sz="1800" dirty="0" err="1">
+              <a:rPr lang="en-US" sz="1800">
                 <a:solidFill>
                   <a:srgbClr val="795E26"/>
                 </a:solidFill>
@@ -4142,7 +4157,7 @@
               <a:t>keys</a:t>
             </a:r>
             <a:r>
-              <a:rPr lang="en-US" sz="1800" dirty="0">
+              <a:rPr lang="en-US" sz="1800">
                 <a:solidFill>
                   <a:srgbClr val="000000"/>
                 </a:solidFill>
@@ -4153,7 +4168,7 @@
               </a:rPr>
               <a:t>()</a:t>
             </a:r>
-            <a:endParaRPr lang="ru-RU" sz="2800" dirty="0">
+            <a:endParaRPr lang="ru-RU" sz="2800">
               <a:effectLst/>
               <a:latin typeface="Calibri" panose="020F0502020204030204" pitchFamily="34" charset="0"/>
               <a:ea typeface="Calibri" panose="020F0502020204030204" pitchFamily="34" charset="0"/>
@@ -4170,7 +4185,7 @@
               </a:spcAft>
             </a:pPr>
             <a:r>
-              <a:rPr lang="en-US" sz="1800" dirty="0">
+              <a:rPr lang="en-US" sz="1800">
                 <a:solidFill>
                   <a:srgbClr val="000000"/>
                 </a:solidFill>
@@ -4182,7 +4197,7 @@
               <a:t>    </a:t>
             </a:r>
             <a:r>
-              <a:rPr lang="en-US" sz="1800" dirty="0">
+              <a:rPr lang="en-US" sz="1800">
                 <a:solidFill>
                   <a:srgbClr val="001080"/>
                 </a:solidFill>
@@ -4194,7 +4209,7 @@
               <a:t>values</a:t>
             </a:r>
             <a:r>
-              <a:rPr lang="en-US" sz="1800" dirty="0">
+              <a:rPr lang="en-US" sz="1800">
                 <a:solidFill>
                   <a:srgbClr val="000000"/>
                 </a:solidFill>
@@ -4206,7 +4221,7 @@
               <a:t> = </a:t>
             </a:r>
             <a:r>
-              <a:rPr lang="en-US" sz="1800" dirty="0">
+              <a:rPr lang="en-US" sz="1800">
                 <a:solidFill>
                   <a:srgbClr val="267F99"/>
                 </a:solidFill>
@@ -4218,7 +4233,7 @@
               <a:t>list</a:t>
             </a:r>
             <a:r>
-              <a:rPr lang="en-US" sz="1800" dirty="0">
+              <a:rPr lang="en-US" sz="1800">
                 <a:solidFill>
                   <a:srgbClr val="000000"/>
                 </a:solidFill>
@@ -4230,7 +4245,7 @@
               <a:t>(</a:t>
             </a:r>
             <a:r>
-              <a:rPr lang="en-US" sz="1800" dirty="0" err="1">
+              <a:rPr lang="en-US" sz="1800">
                 <a:solidFill>
                   <a:srgbClr val="001080"/>
                 </a:solidFill>
@@ -4242,7 +4257,7 @@
               <a:t>d</a:t>
             </a:r>
             <a:r>
-              <a:rPr lang="en-US" sz="1800" dirty="0" err="1">
+              <a:rPr lang="en-US" sz="1800">
                 <a:solidFill>
                   <a:srgbClr val="000000"/>
                 </a:solidFill>
@@ -4254,7 +4269,7 @@
               <a:t>.</a:t>
             </a:r>
             <a:r>
-              <a:rPr lang="en-US" sz="1800" dirty="0" err="1">
+              <a:rPr lang="en-US" sz="1800">
                 <a:solidFill>
                   <a:srgbClr val="795E26"/>
                 </a:solidFill>
@@ -4266,7 +4281,7 @@
               <a:t>values</a:t>
             </a:r>
             <a:r>
-              <a:rPr lang="en-US" sz="1800" dirty="0">
+              <a:rPr lang="en-US" sz="1800">
                 <a:solidFill>
                   <a:srgbClr val="000000"/>
                 </a:solidFill>
@@ -4277,7 +4292,7 @@
               </a:rPr>
               <a:t>())</a:t>
             </a:r>
-            <a:endParaRPr lang="ru-RU" sz="2800" dirty="0">
+            <a:endParaRPr lang="ru-RU" sz="2800">
               <a:effectLst/>
               <a:latin typeface="Calibri" panose="020F0502020204030204" pitchFamily="34" charset="0"/>
               <a:ea typeface="Calibri" panose="020F0502020204030204" pitchFamily="34" charset="0"/>
@@ -4294,7 +4309,7 @@
               </a:spcAft>
             </a:pPr>
             <a:r>
-              <a:rPr lang="en-US" sz="1800" dirty="0">
+              <a:rPr lang="en-US" sz="1800">
                 <a:solidFill>
                   <a:srgbClr val="000000"/>
                 </a:solidFill>
@@ -4306,7 +4321,7 @@
               <a:t>    </a:t>
             </a:r>
             <a:r>
-              <a:rPr lang="en-US" sz="1800" dirty="0">
+              <a:rPr lang="en-US" sz="1800">
                 <a:solidFill>
                   <a:srgbClr val="001080"/>
                 </a:solidFill>
@@ -4318,7 +4333,7 @@
               <a:t>query</a:t>
             </a:r>
             <a:r>
-              <a:rPr lang="en-US" sz="1800" dirty="0">
+              <a:rPr lang="en-US" sz="1800">
                 <a:solidFill>
                   <a:srgbClr val="000000"/>
                 </a:solidFill>
@@ -4330,7 +4345,7 @@
               <a:t> += </a:t>
             </a:r>
             <a:r>
-              <a:rPr lang="en-US" sz="1800" dirty="0">
+              <a:rPr lang="en-US" sz="1800">
                 <a:solidFill>
                   <a:srgbClr val="A31515"/>
                 </a:solidFill>
@@ -4342,7 +4357,7 @@
               <a:t>' ('</a:t>
             </a:r>
             <a:r>
-              <a:rPr lang="en-US" sz="1800" dirty="0">
+              <a:rPr lang="en-US" sz="1800">
                 <a:solidFill>
                   <a:srgbClr val="000000"/>
                 </a:solidFill>
@@ -4354,7 +4369,7 @@
               <a:t> + </a:t>
             </a:r>
             <a:r>
-              <a:rPr lang="en-US" sz="1800" dirty="0">
+              <a:rPr lang="en-US" sz="1800">
                 <a:solidFill>
                   <a:srgbClr val="A31515"/>
                 </a:solidFill>
@@ -4366,7 +4381,7 @@
               <a:t>','</a:t>
             </a:r>
             <a:r>
-              <a:rPr lang="en-US" sz="1800" dirty="0">
+              <a:rPr lang="en-US" sz="1800">
                 <a:solidFill>
                   <a:srgbClr val="000000"/>
                 </a:solidFill>
@@ -4378,7 +4393,7 @@
               <a:t>.</a:t>
             </a:r>
             <a:r>
-              <a:rPr lang="en-US" sz="1800" dirty="0">
+              <a:rPr lang="en-US" sz="1800">
                 <a:solidFill>
                   <a:srgbClr val="795E26"/>
                 </a:solidFill>
@@ -4390,7 +4405,7 @@
               <a:t>join</a:t>
             </a:r>
             <a:r>
-              <a:rPr lang="en-US" sz="1800" dirty="0">
+              <a:rPr lang="en-US" sz="1800">
                 <a:solidFill>
                   <a:srgbClr val="000000"/>
                 </a:solidFill>
@@ -4402,7 +4417,7 @@
               <a:t>(</a:t>
             </a:r>
             <a:r>
-              <a:rPr lang="en-US" sz="1800" dirty="0">
+              <a:rPr lang="en-US" sz="1800">
                 <a:solidFill>
                   <a:srgbClr val="001080"/>
                 </a:solidFill>
@@ -4414,7 +4429,7 @@
               <a:t>fields</a:t>
             </a:r>
             <a:r>
-              <a:rPr lang="en-US" sz="1800" dirty="0">
+              <a:rPr lang="en-US" sz="1800">
                 <a:solidFill>
                   <a:srgbClr val="000000"/>
                 </a:solidFill>
@@ -4426,7 +4441,7 @@
               <a:t>) + </a:t>
             </a:r>
             <a:r>
-              <a:rPr lang="en-US" sz="1800" dirty="0">
+              <a:rPr lang="en-US" sz="1800">
                 <a:solidFill>
                   <a:srgbClr val="A31515"/>
                 </a:solidFill>
@@ -4437,7 +4452,7 @@
               </a:rPr>
               <a:t>')'</a:t>
             </a:r>
-            <a:endParaRPr lang="ru-RU" sz="2800" dirty="0">
+            <a:endParaRPr lang="ru-RU" sz="2800">
               <a:effectLst/>
               <a:latin typeface="Calibri" panose="020F0502020204030204" pitchFamily="34" charset="0"/>
               <a:ea typeface="Calibri" panose="020F0502020204030204" pitchFamily="34" charset="0"/>
@@ -4454,7 +4469,7 @@
               </a:spcAft>
             </a:pPr>
             <a:r>
-              <a:rPr lang="en-US" sz="1800" dirty="0">
+              <a:rPr lang="en-US" sz="1800">
                 <a:solidFill>
                   <a:srgbClr val="000000"/>
                 </a:solidFill>
@@ -4466,7 +4481,7 @@
               <a:t>    </a:t>
             </a:r>
             <a:r>
-              <a:rPr lang="en-US" sz="1800" dirty="0">
+              <a:rPr lang="en-US" sz="1800">
                 <a:solidFill>
                   <a:srgbClr val="001080"/>
                 </a:solidFill>
@@ -4478,7 +4493,7 @@
               <a:t>query</a:t>
             </a:r>
             <a:r>
-              <a:rPr lang="en-US" sz="1800" dirty="0">
+              <a:rPr lang="en-US" sz="1800">
                 <a:solidFill>
                   <a:srgbClr val="000000"/>
                 </a:solidFill>
@@ -4490,7 +4505,7 @@
               <a:t> += </a:t>
             </a:r>
             <a:r>
-              <a:rPr lang="en-US" sz="1800" dirty="0">
+              <a:rPr lang="en-US" sz="1800">
                 <a:solidFill>
                   <a:srgbClr val="A31515"/>
                 </a:solidFill>
@@ -4502,7 +4517,7 @@
               <a:t>' values ('</a:t>
             </a:r>
             <a:r>
-              <a:rPr lang="en-US" sz="1800" dirty="0">
+              <a:rPr lang="en-US" sz="1800">
                 <a:solidFill>
                   <a:srgbClr val="000000"/>
                 </a:solidFill>
@@ -4514,7 +4529,7 @@
               <a:t> + </a:t>
             </a:r>
             <a:r>
-              <a:rPr lang="en-US" sz="1800" dirty="0">
+              <a:rPr lang="en-US" sz="1800">
                 <a:solidFill>
                   <a:srgbClr val="A31515"/>
                 </a:solidFill>
@@ -4526,7 +4541,7 @@
               <a:t>','</a:t>
             </a:r>
             <a:r>
-              <a:rPr lang="en-US" sz="1800" dirty="0">
+              <a:rPr lang="en-US" sz="1800">
                 <a:solidFill>
                   <a:srgbClr val="000000"/>
                 </a:solidFill>
@@ -4538,7 +4553,7 @@
               <a:t>.</a:t>
             </a:r>
             <a:r>
-              <a:rPr lang="en-US" sz="1800" dirty="0">
+              <a:rPr lang="en-US" sz="1800">
                 <a:solidFill>
                   <a:srgbClr val="795E26"/>
                 </a:solidFill>
@@ -4550,7 +4565,7 @@
               <a:t>join</a:t>
             </a:r>
             <a:r>
-              <a:rPr lang="en-US" sz="1800" dirty="0">
+              <a:rPr lang="en-US" sz="1800">
                 <a:solidFill>
                   <a:srgbClr val="000000"/>
                 </a:solidFill>
@@ -4562,7 +4577,7 @@
               <a:t>([</a:t>
             </a:r>
             <a:r>
-              <a:rPr lang="en-US" sz="1800" dirty="0">
+              <a:rPr lang="en-US" sz="1800">
                 <a:solidFill>
                   <a:srgbClr val="A31515"/>
                 </a:solidFill>
@@ -4574,7 +4589,7 @@
               <a:t>'</a:t>
             </a:r>
             <a:r>
-              <a:rPr lang="en-US" sz="1800" dirty="0">
+              <a:rPr lang="en-US" sz="1800">
                 <a:solidFill>
                   <a:srgbClr val="0000FF"/>
                 </a:solidFill>
@@ -4586,7 +4601,7 @@
               <a:t>%s</a:t>
             </a:r>
             <a:r>
-              <a:rPr lang="en-US" sz="1800" dirty="0">
+              <a:rPr lang="en-US" sz="1800">
                 <a:solidFill>
                   <a:srgbClr val="A31515"/>
                 </a:solidFill>
@@ -4598,7 +4613,7 @@
               <a:t>'</a:t>
             </a:r>
             <a:r>
-              <a:rPr lang="en-US" sz="1800" dirty="0">
+              <a:rPr lang="en-US" sz="1800">
                 <a:solidFill>
                   <a:srgbClr val="000000"/>
                 </a:solidFill>
@@ -4610,7 +4625,7 @@
               <a:t>] * </a:t>
             </a:r>
             <a:r>
-              <a:rPr lang="en-US" sz="1800" dirty="0" err="1">
+              <a:rPr lang="en-US" sz="1800">
                 <a:solidFill>
                   <a:srgbClr val="795E26"/>
                 </a:solidFill>
@@ -4622,7 +4637,7 @@
               <a:t>len</a:t>
             </a:r>
             <a:r>
-              <a:rPr lang="en-US" sz="1800" dirty="0">
+              <a:rPr lang="en-US" sz="1800">
                 <a:solidFill>
                   <a:srgbClr val="000000"/>
                 </a:solidFill>
@@ -4634,7 +4649,7 @@
               <a:t>(</a:t>
             </a:r>
             <a:r>
-              <a:rPr lang="en-US" sz="1800" dirty="0">
+              <a:rPr lang="en-US" sz="1800">
                 <a:solidFill>
                   <a:srgbClr val="001080"/>
                 </a:solidFill>
@@ -4646,7 +4661,7 @@
               <a:t>values</a:t>
             </a:r>
             <a:r>
-              <a:rPr lang="en-US" sz="1800" dirty="0">
+              <a:rPr lang="en-US" sz="1800">
                 <a:solidFill>
                   <a:srgbClr val="000000"/>
                 </a:solidFill>
@@ -4658,7 +4673,7 @@
               <a:t>)) + </a:t>
             </a:r>
             <a:r>
-              <a:rPr lang="en-US" sz="1800" dirty="0">
+              <a:rPr lang="en-US" sz="1800">
                 <a:solidFill>
                   <a:srgbClr val="A31515"/>
                 </a:solidFill>
@@ -4669,7 +4684,7 @@
               </a:rPr>
               <a:t>');'</a:t>
             </a:r>
-            <a:endParaRPr lang="ru-RU" sz="2800" dirty="0">
+            <a:endParaRPr lang="ru-RU" sz="2800">
               <a:effectLst/>
               <a:latin typeface="Calibri" panose="020F0502020204030204" pitchFamily="34" charset="0"/>
               <a:ea typeface="Calibri" panose="020F0502020204030204" pitchFamily="34" charset="0"/>
@@ -4686,7 +4701,7 @@
               </a:spcAft>
             </a:pPr>
             <a:r>
-              <a:rPr lang="en-US" sz="1800" dirty="0">
+              <a:rPr lang="en-US" sz="1800">
                 <a:solidFill>
                   <a:srgbClr val="000000"/>
                 </a:solidFill>
@@ -4698,7 +4713,7 @@
               <a:t>    </a:t>
             </a:r>
             <a:r>
-              <a:rPr lang="en-US" sz="1800" dirty="0">
+              <a:rPr lang="en-US" sz="1800">
                 <a:solidFill>
                   <a:srgbClr val="AF00DB"/>
                 </a:solidFill>
@@ -4710,7 +4725,7 @@
               <a:t>try</a:t>
             </a:r>
             <a:r>
-              <a:rPr lang="en-US" sz="1800" dirty="0">
+              <a:rPr lang="en-US" sz="1800">
                 <a:solidFill>
                   <a:srgbClr val="000000"/>
                 </a:solidFill>
@@ -4721,7 +4736,7 @@
               </a:rPr>
               <a:t>:</a:t>
             </a:r>
-            <a:endParaRPr lang="ru-RU" sz="2800" dirty="0">
+            <a:endParaRPr lang="ru-RU" sz="2800">
               <a:effectLst/>
               <a:latin typeface="Calibri" panose="020F0502020204030204" pitchFamily="34" charset="0"/>
               <a:ea typeface="Calibri" panose="020F0502020204030204" pitchFamily="34" charset="0"/>
@@ -4738,7 +4753,7 @@
               </a:spcAft>
             </a:pPr>
             <a:r>
-              <a:rPr lang="en-US" sz="1800" dirty="0">
+              <a:rPr lang="en-US" sz="1800">
                 <a:solidFill>
                   <a:srgbClr val="000000"/>
                 </a:solidFill>
@@ -4750,7 +4765,7 @@
               <a:t>        </a:t>
             </a:r>
             <a:r>
-              <a:rPr lang="en-US" sz="1800" dirty="0">
+              <a:rPr lang="en-US" sz="1800">
                 <a:solidFill>
                   <a:srgbClr val="AF00DB"/>
                 </a:solidFill>
@@ -4762,7 +4777,7 @@
               <a:t>with</a:t>
             </a:r>
             <a:r>
-              <a:rPr lang="en-US" sz="1800" dirty="0">
+              <a:rPr lang="en-US" sz="1800">
                 <a:solidFill>
                   <a:srgbClr val="000000"/>
                 </a:solidFill>
@@ -4774,7 +4789,7 @@
               <a:t> </a:t>
             </a:r>
             <a:r>
-              <a:rPr lang="en-US" sz="1800" dirty="0" err="1">
+              <a:rPr lang="en-US" sz="1800">
                 <a:solidFill>
                   <a:srgbClr val="001080"/>
                 </a:solidFill>
@@ -4786,31 +4801,19 @@
               <a:t>conn</a:t>
             </a:r>
             <a:r>
-              <a:rPr lang="en-US" sz="1800" dirty="0" err="1">
-                <a:solidFill>
-                  <a:srgbClr val="000000"/>
-                </a:solidFill>
-                <a:effectLst/>
-                <a:latin typeface="Courier New" panose="02070309020205020404" pitchFamily="49" charset="0"/>
-                <a:ea typeface="Times New Roman" panose="02020603050405020304" pitchFamily="18" charset="0"/>
-                <a:cs typeface="Times New Roman" panose="02020603050405020304" pitchFamily="18" charset="0"/>
-              </a:rPr>
-              <a:t>.cursor</a:t>
-            </a:r>
-            <a:r>
-              <a:rPr lang="en-US" sz="1800" dirty="0">
-                <a:solidFill>
-                  <a:srgbClr val="000000"/>
-                </a:solidFill>
-                <a:effectLst/>
-                <a:latin typeface="Courier New" panose="02070309020205020404" pitchFamily="49" charset="0"/>
-                <a:ea typeface="Times New Roman" panose="02020603050405020304" pitchFamily="18" charset="0"/>
-                <a:cs typeface="Times New Roman" panose="02020603050405020304" pitchFamily="18" charset="0"/>
-              </a:rPr>
-              <a:t>() </a:t>
-            </a:r>
-            <a:r>
-              <a:rPr lang="en-US" sz="1800" dirty="0">
+              <a:rPr lang="en-US" sz="1800">
+                <a:solidFill>
+                  <a:srgbClr val="000000"/>
+                </a:solidFill>
+                <a:effectLst/>
+                <a:latin typeface="Courier New" panose="02070309020205020404" pitchFamily="49" charset="0"/>
+                <a:ea typeface="Times New Roman" panose="02020603050405020304" pitchFamily="18" charset="0"/>
+                <a:cs typeface="Times New Roman" panose="02020603050405020304" pitchFamily="18" charset="0"/>
+              </a:rPr>
+              <a:t>.cursor() </a:t>
+            </a:r>
+            <a:r>
+              <a:rPr lang="en-US" sz="1800">
                 <a:solidFill>
                   <a:srgbClr val="AF00DB"/>
                 </a:solidFill>
@@ -4822,7 +4825,7 @@
               <a:t>as</a:t>
             </a:r>
             <a:r>
-              <a:rPr lang="en-US" sz="1800" dirty="0">
+              <a:rPr lang="en-US" sz="1800">
                 <a:solidFill>
                   <a:srgbClr val="000000"/>
                 </a:solidFill>
@@ -4834,7 +4837,7 @@
               <a:t> </a:t>
             </a:r>
             <a:r>
-              <a:rPr lang="en-US" sz="1800" dirty="0">
+              <a:rPr lang="en-US" sz="1800">
                 <a:solidFill>
                   <a:srgbClr val="001080"/>
                 </a:solidFill>
@@ -4846,7 +4849,7 @@
               <a:t>cur</a:t>
             </a:r>
             <a:r>
-              <a:rPr lang="en-US" sz="1800" dirty="0">
+              <a:rPr lang="en-US" sz="1800">
                 <a:solidFill>
                   <a:srgbClr val="000000"/>
                 </a:solidFill>
@@ -4857,7 +4860,7 @@
               </a:rPr>
               <a:t>:</a:t>
             </a:r>
-            <a:endParaRPr lang="ru-RU" sz="2800" dirty="0">
+            <a:endParaRPr lang="ru-RU" sz="2800">
               <a:effectLst/>
               <a:latin typeface="Calibri" panose="020F0502020204030204" pitchFamily="34" charset="0"/>
               <a:ea typeface="Calibri" panose="020F0502020204030204" pitchFamily="34" charset="0"/>
@@ -4874,7 +4877,7 @@
               </a:spcAft>
             </a:pPr>
             <a:r>
-              <a:rPr lang="en-US" sz="1800" dirty="0">
+              <a:rPr lang="en-US" sz="1800">
                 <a:solidFill>
                   <a:srgbClr val="000000"/>
                 </a:solidFill>
@@ -4886,7 +4889,7 @@
               <a:t>            </a:t>
             </a:r>
             <a:r>
-              <a:rPr lang="en-US" sz="1800" dirty="0" err="1">
+              <a:rPr lang="en-US" sz="1800">
                 <a:solidFill>
                   <a:srgbClr val="001080"/>
                 </a:solidFill>
@@ -4898,31 +4901,19 @@
               <a:t>cur</a:t>
             </a:r>
             <a:r>
-              <a:rPr lang="en-US" sz="1800" dirty="0" err="1">
-                <a:solidFill>
-                  <a:srgbClr val="000000"/>
-                </a:solidFill>
-                <a:effectLst/>
-                <a:latin typeface="Courier New" panose="02070309020205020404" pitchFamily="49" charset="0"/>
-                <a:ea typeface="Times New Roman" panose="02020603050405020304" pitchFamily="18" charset="0"/>
-                <a:cs typeface="Times New Roman" panose="02020603050405020304" pitchFamily="18" charset="0"/>
-              </a:rPr>
-              <a:t>.execute</a:t>
-            </a:r>
-            <a:r>
-              <a:rPr lang="en-US" sz="1800" dirty="0">
-                <a:solidFill>
-                  <a:srgbClr val="000000"/>
-                </a:solidFill>
-                <a:effectLst/>
-                <a:latin typeface="Courier New" panose="02070309020205020404" pitchFamily="49" charset="0"/>
-                <a:ea typeface="Times New Roman" panose="02020603050405020304" pitchFamily="18" charset="0"/>
-                <a:cs typeface="Times New Roman" panose="02020603050405020304" pitchFamily="18" charset="0"/>
-              </a:rPr>
-              <a:t>(</a:t>
-            </a:r>
-            <a:r>
-              <a:rPr lang="en-US" sz="1800" dirty="0">
+              <a:rPr lang="en-US" sz="1800">
+                <a:solidFill>
+                  <a:srgbClr val="000000"/>
+                </a:solidFill>
+                <a:effectLst/>
+                <a:latin typeface="Courier New" panose="02070309020205020404" pitchFamily="49" charset="0"/>
+                <a:ea typeface="Times New Roman" panose="02020603050405020304" pitchFamily="18" charset="0"/>
+                <a:cs typeface="Times New Roman" panose="02020603050405020304" pitchFamily="18" charset="0"/>
+              </a:rPr>
+              <a:t>.execute(</a:t>
+            </a:r>
+            <a:r>
+              <a:rPr lang="en-US" sz="1800">
                 <a:solidFill>
                   <a:srgbClr val="001080"/>
                 </a:solidFill>
@@ -4934,7 +4925,7 @@
               <a:t>query</a:t>
             </a:r>
             <a:r>
-              <a:rPr lang="en-US" sz="1800" dirty="0">
+              <a:rPr lang="en-US" sz="1800">
                 <a:solidFill>
                   <a:srgbClr val="000000"/>
                 </a:solidFill>
@@ -4946,7 +4937,7 @@
               <a:t>, </a:t>
             </a:r>
             <a:r>
-              <a:rPr lang="en-US" sz="1800" dirty="0">
+              <a:rPr lang="en-US" sz="1800">
                 <a:solidFill>
                   <a:srgbClr val="001080"/>
                 </a:solidFill>
@@ -4958,7 +4949,7 @@
               <a:t>values</a:t>
             </a:r>
             <a:r>
-              <a:rPr lang="en-US" sz="1800" dirty="0">
+              <a:rPr lang="en-US" sz="1800">
                 <a:solidFill>
                   <a:srgbClr val="000000"/>
                 </a:solidFill>
@@ -4969,7 +4960,7 @@
               </a:rPr>
               <a:t>)</a:t>
             </a:r>
-            <a:endParaRPr lang="ru-RU" sz="2800" dirty="0">
+            <a:endParaRPr lang="ru-RU" sz="2800">
               <a:effectLst/>
               <a:latin typeface="Calibri" panose="020F0502020204030204" pitchFamily="34" charset="0"/>
               <a:ea typeface="Calibri" panose="020F0502020204030204" pitchFamily="34" charset="0"/>
@@ -4986,7 +4977,7 @@
               </a:spcAft>
             </a:pPr>
             <a:r>
-              <a:rPr lang="en-US" sz="1800" dirty="0">
+              <a:rPr lang="en-US" sz="1800">
                 <a:solidFill>
                   <a:srgbClr val="000000"/>
                 </a:solidFill>
@@ -4998,7 +4989,7 @@
               <a:t>            </a:t>
             </a:r>
             <a:r>
-              <a:rPr lang="en-US" sz="1800" dirty="0" err="1">
+              <a:rPr lang="en-US" sz="1800">
                 <a:solidFill>
                   <a:srgbClr val="001080"/>
                 </a:solidFill>
@@ -5010,30 +5001,18 @@
               <a:t>conn</a:t>
             </a:r>
             <a:r>
-              <a:rPr lang="en-US" sz="1800" dirty="0" err="1">
-                <a:solidFill>
-                  <a:srgbClr val="000000"/>
-                </a:solidFill>
-                <a:effectLst/>
-                <a:latin typeface="Courier New" panose="02070309020205020404" pitchFamily="49" charset="0"/>
-                <a:ea typeface="Times New Roman" panose="02020603050405020304" pitchFamily="18" charset="0"/>
-                <a:cs typeface="Times New Roman" panose="02020603050405020304" pitchFamily="18" charset="0"/>
-              </a:rPr>
-              <a:t>.commit</a:t>
-            </a:r>
-            <a:r>
-              <a:rPr lang="en-US" sz="1800" dirty="0">
-                <a:solidFill>
-                  <a:srgbClr val="000000"/>
-                </a:solidFill>
-                <a:effectLst/>
-                <a:latin typeface="Courier New" panose="02070309020205020404" pitchFamily="49" charset="0"/>
-                <a:ea typeface="Times New Roman" panose="02020603050405020304" pitchFamily="18" charset="0"/>
-                <a:cs typeface="Times New Roman" panose="02020603050405020304" pitchFamily="18" charset="0"/>
-              </a:rPr>
-              <a:t>()</a:t>
-            </a:r>
-            <a:endParaRPr lang="ru-RU" sz="2800" dirty="0">
+              <a:rPr lang="en-US" sz="1800">
+                <a:solidFill>
+                  <a:srgbClr val="000000"/>
+                </a:solidFill>
+                <a:effectLst/>
+                <a:latin typeface="Courier New" panose="02070309020205020404" pitchFamily="49" charset="0"/>
+                <a:ea typeface="Times New Roman" panose="02020603050405020304" pitchFamily="18" charset="0"/>
+                <a:cs typeface="Times New Roman" panose="02020603050405020304" pitchFamily="18" charset="0"/>
+              </a:rPr>
+              <a:t>.commit()</a:t>
+            </a:r>
+            <a:endParaRPr lang="ru-RU" sz="2800">
               <a:effectLst/>
               <a:latin typeface="Calibri" panose="020F0502020204030204" pitchFamily="34" charset="0"/>
               <a:ea typeface="Calibri" panose="020F0502020204030204" pitchFamily="34" charset="0"/>
@@ -5050,7 +5029,7 @@
               </a:spcAft>
             </a:pPr>
             <a:r>
-              <a:rPr lang="en-US" sz="1800" dirty="0">
+              <a:rPr lang="en-US" sz="1800">
                 <a:solidFill>
                   <a:srgbClr val="000000"/>
                 </a:solidFill>
@@ -5062,7 +5041,7 @@
               <a:t>        </a:t>
             </a:r>
             <a:r>
-              <a:rPr lang="en-US" sz="1800" dirty="0">
+              <a:rPr lang="en-US" sz="1800">
                 <a:solidFill>
                   <a:srgbClr val="AF00DB"/>
                 </a:solidFill>
@@ -5074,7 +5053,7 @@
               <a:t>return</a:t>
             </a:r>
             <a:r>
-              <a:rPr lang="en-US" sz="1800" dirty="0">
+              <a:rPr lang="en-US" sz="1800">
                 <a:solidFill>
                   <a:srgbClr val="000000"/>
                 </a:solidFill>
@@ -5086,7 +5065,7 @@
               <a:t> </a:t>
             </a:r>
             <a:r>
-              <a:rPr lang="en-US" sz="1800" dirty="0">
+              <a:rPr lang="en-US" sz="1800">
                 <a:solidFill>
                   <a:srgbClr val="098658"/>
                 </a:solidFill>
@@ -5097,7 +5076,7 @@
               </a:rPr>
               <a:t>0</a:t>
             </a:r>
-            <a:endParaRPr lang="ru-RU" sz="2800" dirty="0">
+            <a:endParaRPr lang="ru-RU" sz="2800">
               <a:effectLst/>
               <a:latin typeface="Calibri" panose="020F0502020204030204" pitchFamily="34" charset="0"/>
               <a:ea typeface="Calibri" panose="020F0502020204030204" pitchFamily="34" charset="0"/>
@@ -5114,7 +5093,7 @@
               </a:spcAft>
             </a:pPr>
             <a:r>
-              <a:rPr lang="en-US" sz="1800" dirty="0">
+              <a:rPr lang="en-US" sz="1800">
                 <a:solidFill>
                   <a:srgbClr val="000000"/>
                 </a:solidFill>
@@ -5126,7 +5105,7 @@
               <a:t>    </a:t>
             </a:r>
             <a:r>
-              <a:rPr lang="en-US" sz="1800" dirty="0">
+              <a:rPr lang="en-US" sz="1800">
                 <a:solidFill>
                   <a:srgbClr val="AF00DB"/>
                 </a:solidFill>
@@ -5138,7 +5117,7 @@
               <a:t>except</a:t>
             </a:r>
             <a:r>
-              <a:rPr lang="en-US" sz="1800" dirty="0">
+              <a:rPr lang="en-US" sz="1800">
                 <a:solidFill>
                   <a:srgbClr val="000000"/>
                 </a:solidFill>
@@ -5150,7 +5129,7 @@
               <a:t> </a:t>
             </a:r>
             <a:r>
-              <a:rPr lang="en-US" sz="1800" dirty="0">
+              <a:rPr lang="en-US" sz="1800">
                 <a:solidFill>
                   <a:srgbClr val="267F99"/>
                 </a:solidFill>
@@ -5162,7 +5141,7 @@
               <a:t>Exception</a:t>
             </a:r>
             <a:r>
-              <a:rPr lang="en-US" sz="1800" dirty="0">
+              <a:rPr lang="en-US" sz="1800">
                 <a:solidFill>
                   <a:srgbClr val="000000"/>
                 </a:solidFill>
@@ -5174,7 +5153,7 @@
               <a:t> </a:t>
             </a:r>
             <a:r>
-              <a:rPr lang="en-US" sz="1800" dirty="0">
+              <a:rPr lang="en-US" sz="1800">
                 <a:solidFill>
                   <a:srgbClr val="AF00DB"/>
                 </a:solidFill>
@@ -5186,7 +5165,7 @@
               <a:t>as</a:t>
             </a:r>
             <a:r>
-              <a:rPr lang="en-US" sz="1800" dirty="0">
+              <a:rPr lang="en-US" sz="1800">
                 <a:solidFill>
                   <a:srgbClr val="000000"/>
                 </a:solidFill>
@@ -5198,7 +5177,7 @@
               <a:t> </a:t>
             </a:r>
             <a:r>
-              <a:rPr lang="en-US" sz="1800" dirty="0">
+              <a:rPr lang="en-US" sz="1800">
                 <a:solidFill>
                   <a:srgbClr val="001080"/>
                 </a:solidFill>
@@ -5210,7 +5189,7 @@
               <a:t>ex</a:t>
             </a:r>
             <a:r>
-              <a:rPr lang="en-US" sz="1800" dirty="0">
+              <a:rPr lang="en-US" sz="1800">
                 <a:solidFill>
                   <a:srgbClr val="000000"/>
                 </a:solidFill>
@@ -5221,7 +5200,7 @@
               </a:rPr>
               <a:t>:</a:t>
             </a:r>
-            <a:endParaRPr lang="ru-RU" sz="2800" dirty="0">
+            <a:endParaRPr lang="ru-RU" sz="2800">
               <a:effectLst/>
               <a:latin typeface="Calibri" panose="020F0502020204030204" pitchFamily="34" charset="0"/>
               <a:ea typeface="Calibri" panose="020F0502020204030204" pitchFamily="34" charset="0"/>
@@ -5238,7 +5217,7 @@
               </a:spcAft>
             </a:pPr>
             <a:r>
-              <a:rPr lang="en-US" sz="1800" dirty="0">
+              <a:rPr lang="en-US" sz="1800">
                 <a:solidFill>
                   <a:srgbClr val="000000"/>
                 </a:solidFill>
@@ -5250,7 +5229,7 @@
               <a:t>        </a:t>
             </a:r>
             <a:r>
-              <a:rPr lang="en-US" sz="1800" dirty="0" err="1">
+              <a:rPr lang="en-US" sz="1800">
                 <a:solidFill>
                   <a:srgbClr val="001080"/>
                 </a:solidFill>
@@ -5262,30 +5241,18 @@
               <a:t>conn</a:t>
             </a:r>
             <a:r>
-              <a:rPr lang="en-US" sz="1800" dirty="0" err="1">
-                <a:solidFill>
-                  <a:srgbClr val="000000"/>
-                </a:solidFill>
-                <a:effectLst/>
-                <a:latin typeface="Courier New" panose="02070309020205020404" pitchFamily="49" charset="0"/>
-                <a:ea typeface="Times New Roman" panose="02020603050405020304" pitchFamily="18" charset="0"/>
-                <a:cs typeface="Times New Roman" panose="02020603050405020304" pitchFamily="18" charset="0"/>
-              </a:rPr>
-              <a:t>.rollback</a:t>
-            </a:r>
-            <a:r>
-              <a:rPr lang="en-US" sz="1800" dirty="0">
-                <a:solidFill>
-                  <a:srgbClr val="000000"/>
-                </a:solidFill>
-                <a:effectLst/>
-                <a:latin typeface="Courier New" panose="02070309020205020404" pitchFamily="49" charset="0"/>
-                <a:ea typeface="Times New Roman" panose="02020603050405020304" pitchFamily="18" charset="0"/>
-                <a:cs typeface="Times New Roman" panose="02020603050405020304" pitchFamily="18" charset="0"/>
-              </a:rPr>
-              <a:t>()</a:t>
-            </a:r>
-            <a:endParaRPr lang="ru-RU" sz="2800" dirty="0">
+              <a:rPr lang="en-US" sz="1800">
+                <a:solidFill>
+                  <a:srgbClr val="000000"/>
+                </a:solidFill>
+                <a:effectLst/>
+                <a:latin typeface="Courier New" panose="02070309020205020404" pitchFamily="49" charset="0"/>
+                <a:ea typeface="Times New Roman" panose="02020603050405020304" pitchFamily="18" charset="0"/>
+                <a:cs typeface="Times New Roman" panose="02020603050405020304" pitchFamily="18" charset="0"/>
+              </a:rPr>
+              <a:t>.rollback()</a:t>
+            </a:r>
+            <a:endParaRPr lang="ru-RU" sz="2800">
               <a:effectLst/>
               <a:latin typeface="Calibri" panose="020F0502020204030204" pitchFamily="34" charset="0"/>
               <a:ea typeface="Calibri" panose="020F0502020204030204" pitchFamily="34" charset="0"/>
@@ -5302,7 +5269,7 @@
               </a:spcAft>
             </a:pPr>
             <a:r>
-              <a:rPr lang="en-US" sz="1800" dirty="0">
+              <a:rPr lang="en-US" sz="1800">
                 <a:solidFill>
                   <a:srgbClr val="000000"/>
                 </a:solidFill>
@@ -5314,7 +5281,7 @@
               <a:t>        </a:t>
             </a:r>
             <a:r>
-              <a:rPr lang="en-US" sz="1800" dirty="0">
+              <a:rPr lang="en-US" sz="1800">
                 <a:solidFill>
                   <a:srgbClr val="795E26"/>
                 </a:solidFill>
@@ -5326,7 +5293,7 @@
               <a:t>print</a:t>
             </a:r>
             <a:r>
-              <a:rPr lang="en-US" sz="1800" dirty="0">
+              <a:rPr lang="en-US" sz="1800">
                 <a:solidFill>
                   <a:srgbClr val="000000"/>
                 </a:solidFill>
@@ -5338,7 +5305,7 @@
               <a:t>(</a:t>
             </a:r>
             <a:r>
-              <a:rPr lang="en-US" sz="1800" dirty="0" err="1">
+              <a:rPr lang="en-US" sz="1800">
                 <a:solidFill>
                   <a:srgbClr val="0000FF"/>
                 </a:solidFill>
@@ -5350,7 +5317,7 @@
               <a:t>f</a:t>
             </a:r>
             <a:r>
-              <a:rPr lang="en-US" sz="1800" dirty="0" err="1">
+              <a:rPr lang="en-US" sz="1800">
                 <a:solidFill>
                   <a:srgbClr val="A31515"/>
                 </a:solidFill>
@@ -5359,10 +5326,46 @@
                 <a:ea typeface="Times New Roman" panose="02020603050405020304" pitchFamily="18" charset="0"/>
                 <a:cs typeface="Times New Roman" panose="02020603050405020304" pitchFamily="18" charset="0"/>
               </a:rPr>
-              <a:t>"Exeption</a:t>
-            </a:r>
-            <a:r>
-              <a:rPr lang="en-US" sz="1800" dirty="0">
+              <a:t>"Exeption in insert: </a:t>
+            </a:r>
+            <a:r>
+              <a:rPr lang="en-US" sz="1800">
+                <a:solidFill>
+                  <a:srgbClr val="0000FF"/>
+                </a:solidFill>
+                <a:effectLst/>
+                <a:latin typeface="Courier New" panose="02070309020205020404" pitchFamily="49" charset="0"/>
+                <a:ea typeface="Times New Roman" panose="02020603050405020304" pitchFamily="18" charset="0"/>
+                <a:cs typeface="Times New Roman" panose="02020603050405020304" pitchFamily="18" charset="0"/>
+              </a:rPr>
+              <a:t>{</a:t>
+            </a:r>
+            <a:r>
+              <a:rPr lang="en-US" sz="1800">
+                <a:solidFill>
+                  <a:srgbClr val="001080"/>
+                </a:solidFill>
+                <a:effectLst/>
+                <a:latin typeface="Courier New" panose="02070309020205020404" pitchFamily="49" charset="0"/>
+                <a:ea typeface="Times New Roman" panose="02020603050405020304" pitchFamily="18" charset="0"/>
+                <a:cs typeface="Times New Roman" panose="02020603050405020304" pitchFamily="18" charset="0"/>
+              </a:rPr>
+              <a:t>ex</a:t>
+            </a:r>
+            <a:r>
+              <a:rPr lang="en-US" sz="1800">
+                <a:solidFill>
+                  <a:srgbClr val="0000FF"/>
+                </a:solidFill>
+                <a:effectLst/>
+                <a:latin typeface="Courier New" panose="02070309020205020404" pitchFamily="49" charset="0"/>
+                <a:ea typeface="Times New Roman" panose="02020603050405020304" pitchFamily="18" charset="0"/>
+                <a:cs typeface="Times New Roman" panose="02020603050405020304" pitchFamily="18" charset="0"/>
+              </a:rPr>
+              <a:t>}</a:t>
+            </a:r>
+            <a:r>
+              <a:rPr lang="en-US" sz="1800">
                 <a:solidFill>
                   <a:srgbClr val="A31515"/>
                 </a:solidFill>
@@ -5371,10 +5374,10 @@
                 <a:ea typeface="Times New Roman" panose="02020603050405020304" pitchFamily="18" charset="0"/>
                 <a:cs typeface="Times New Roman" panose="02020603050405020304" pitchFamily="18" charset="0"/>
               </a:rPr>
-              <a:t> in insert: </a:t>
-            </a:r>
-            <a:r>
-              <a:rPr lang="en-US" sz="1800" dirty="0">
+              <a:t> for table </a:t>
+            </a:r>
+            <a:r>
+              <a:rPr lang="en-US" sz="1800">
                 <a:solidFill>
                   <a:srgbClr val="0000FF"/>
                 </a:solidFill>
@@ -5386,7 +5389,7 @@
               <a:t>{</a:t>
             </a:r>
             <a:r>
-              <a:rPr lang="en-US" sz="1800" dirty="0">
+              <a:rPr lang="en-US" sz="1800">
                 <a:solidFill>
                   <a:srgbClr val="001080"/>
                 </a:solidFill>
@@ -5395,10 +5398,10 @@
                 <a:ea typeface="Times New Roman" panose="02020603050405020304" pitchFamily="18" charset="0"/>
                 <a:cs typeface="Times New Roman" panose="02020603050405020304" pitchFamily="18" charset="0"/>
               </a:rPr>
-              <a:t>ex</a:t>
-            </a:r>
-            <a:r>
-              <a:rPr lang="en-US" sz="1800" dirty="0">
+              <a:t>table_name</a:t>
+            </a:r>
+            <a:r>
+              <a:rPr lang="en-US" sz="1800">
                 <a:solidFill>
                   <a:srgbClr val="0000FF"/>
                 </a:solidFill>
@@ -5407,57 +5410,9 @@
                 <a:ea typeface="Times New Roman" panose="02020603050405020304" pitchFamily="18" charset="0"/>
                 <a:cs typeface="Times New Roman" panose="02020603050405020304" pitchFamily="18" charset="0"/>
               </a:rPr>
-              <a:t>}</a:t>
-            </a:r>
-            <a:r>
-              <a:rPr lang="en-US" sz="1800" dirty="0">
-                <a:solidFill>
-                  <a:srgbClr val="A31515"/>
-                </a:solidFill>
-                <a:effectLst/>
-                <a:latin typeface="Courier New" panose="02070309020205020404" pitchFamily="49" charset="0"/>
-                <a:ea typeface="Times New Roman" panose="02020603050405020304" pitchFamily="18" charset="0"/>
-                <a:cs typeface="Times New Roman" panose="02020603050405020304" pitchFamily="18" charset="0"/>
-              </a:rPr>
-              <a:t> for table </a:t>
-            </a:r>
-            <a:r>
-              <a:rPr lang="en-US" sz="1800" dirty="0">
-                <a:solidFill>
-                  <a:srgbClr val="0000FF"/>
-                </a:solidFill>
-                <a:effectLst/>
-                <a:latin typeface="Courier New" panose="02070309020205020404" pitchFamily="49" charset="0"/>
-                <a:ea typeface="Times New Roman" panose="02020603050405020304" pitchFamily="18" charset="0"/>
-                <a:cs typeface="Times New Roman" panose="02020603050405020304" pitchFamily="18" charset="0"/>
-              </a:rPr>
-              <a:t>{</a:t>
-            </a:r>
-            <a:r>
-              <a:rPr lang="en-US" sz="1800" dirty="0" err="1">
-                <a:solidFill>
-                  <a:srgbClr val="001080"/>
-                </a:solidFill>
-                <a:effectLst/>
-                <a:latin typeface="Courier New" panose="02070309020205020404" pitchFamily="49" charset="0"/>
-                <a:ea typeface="Times New Roman" panose="02020603050405020304" pitchFamily="18" charset="0"/>
-                <a:cs typeface="Times New Roman" panose="02020603050405020304" pitchFamily="18" charset="0"/>
-              </a:rPr>
-              <a:t>table_name</a:t>
-            </a:r>
-            <a:r>
-              <a:rPr lang="en-US" sz="1800" dirty="0">
-                <a:solidFill>
-                  <a:srgbClr val="0000FF"/>
-                </a:solidFill>
-                <a:effectLst/>
-                <a:latin typeface="Courier New" panose="02070309020205020404" pitchFamily="49" charset="0"/>
-                <a:ea typeface="Times New Roman" panose="02020603050405020304" pitchFamily="18" charset="0"/>
-                <a:cs typeface="Times New Roman" panose="02020603050405020304" pitchFamily="18" charset="0"/>
-              </a:rPr>
               <a:t>}+</a:t>
             </a:r>
-            <a:endParaRPr lang="ru-RU" sz="2800" dirty="0">
+            <a:endParaRPr lang="ru-RU" sz="2800">
               <a:effectLst/>
               <a:latin typeface="Calibri" panose="020F0502020204030204" pitchFamily="34" charset="0"/>
               <a:ea typeface="Calibri" panose="020F0502020204030204" pitchFamily="34" charset="0"/>
@@ -5474,7 +5429,7 @@
               </a:spcAft>
             </a:pPr>
             <a:r>
-              <a:rPr lang="en-US" sz="1800" dirty="0">
+              <a:rPr lang="en-US" sz="1800">
                 <a:solidFill>
                   <a:srgbClr val="A31515"/>
                 </a:solidFill>
@@ -5483,10 +5438,46 @@
                 <a:ea typeface="Times New Roman" panose="02020603050405020304" pitchFamily="18" charset="0"/>
                 <a:cs typeface="Times New Roman" panose="02020603050405020304" pitchFamily="18" charset="0"/>
               </a:rPr>
-              <a:t> </a:t>
-            </a:r>
-            <a:r>
-              <a:rPr lang="en-US" sz="1800" dirty="0" err="1">
+              <a:t> f”with entity </a:t>
+            </a:r>
+            <a:r>
+              <a:rPr lang="en-US" sz="1800">
+                <a:solidFill>
+                  <a:srgbClr val="0000FF"/>
+                </a:solidFill>
+                <a:effectLst/>
+                <a:latin typeface="Courier New" panose="02070309020205020404" pitchFamily="49" charset="0"/>
+                <a:ea typeface="Times New Roman" panose="02020603050405020304" pitchFamily="18" charset="0"/>
+                <a:cs typeface="Times New Roman" panose="02020603050405020304" pitchFamily="18" charset="0"/>
+              </a:rPr>
+              <a:t>{</a:t>
+            </a:r>
+            <a:r>
+              <a:rPr lang="en-US" sz="1800">
+                <a:solidFill>
+                  <a:srgbClr val="001080"/>
+                </a:solidFill>
+                <a:effectLst/>
+                <a:latin typeface="Courier New" panose="02070309020205020404" pitchFamily="49" charset="0"/>
+                <a:ea typeface="Times New Roman" panose="02020603050405020304" pitchFamily="18" charset="0"/>
+                <a:cs typeface="Times New Roman" panose="02020603050405020304" pitchFamily="18" charset="0"/>
+              </a:rPr>
+              <a:t>entity</a:t>
+            </a:r>
+            <a:r>
+              <a:rPr lang="en-US" sz="1800">
+                <a:solidFill>
+                  <a:srgbClr val="0000FF"/>
+                </a:solidFill>
+                <a:effectLst/>
+                <a:latin typeface="Courier New" panose="02070309020205020404" pitchFamily="49" charset="0"/>
+                <a:ea typeface="Times New Roman" panose="02020603050405020304" pitchFamily="18" charset="0"/>
+                <a:cs typeface="Times New Roman" panose="02020603050405020304" pitchFamily="18" charset="0"/>
+              </a:rPr>
+              <a:t>}</a:t>
+            </a:r>
+            <a:r>
+              <a:rPr lang="en-US" sz="1800">
                 <a:solidFill>
                   <a:srgbClr val="A31515"/>
                 </a:solidFill>
@@ -5495,70 +5486,10 @@
                 <a:ea typeface="Times New Roman" panose="02020603050405020304" pitchFamily="18" charset="0"/>
                 <a:cs typeface="Times New Roman" panose="02020603050405020304" pitchFamily="18" charset="0"/>
               </a:rPr>
-              <a:t>f”with</a:t>
-            </a:r>
-            <a:r>
-              <a:rPr lang="en-US" sz="1800" dirty="0">
-                <a:solidFill>
-                  <a:srgbClr val="A31515"/>
-                </a:solidFill>
-                <a:effectLst/>
-                <a:latin typeface="Courier New" panose="02070309020205020404" pitchFamily="49" charset="0"/>
-                <a:ea typeface="Times New Roman" panose="02020603050405020304" pitchFamily="18" charset="0"/>
-                <a:cs typeface="Times New Roman" panose="02020603050405020304" pitchFamily="18" charset="0"/>
-              </a:rPr>
-              <a:t> entity </a:t>
-            </a:r>
-            <a:r>
-              <a:rPr lang="en-US" sz="1800" dirty="0">
-                <a:solidFill>
-                  <a:srgbClr val="0000FF"/>
-                </a:solidFill>
-                <a:effectLst/>
-                <a:latin typeface="Courier New" panose="02070309020205020404" pitchFamily="49" charset="0"/>
-                <a:ea typeface="Times New Roman" panose="02020603050405020304" pitchFamily="18" charset="0"/>
-                <a:cs typeface="Times New Roman" panose="02020603050405020304" pitchFamily="18" charset="0"/>
-              </a:rPr>
-              <a:t>{</a:t>
-            </a:r>
-            <a:r>
-              <a:rPr lang="en-US" sz="1800" dirty="0">
-                <a:solidFill>
-                  <a:srgbClr val="001080"/>
-                </a:solidFill>
-                <a:effectLst/>
-                <a:latin typeface="Courier New" panose="02070309020205020404" pitchFamily="49" charset="0"/>
-                <a:ea typeface="Times New Roman" panose="02020603050405020304" pitchFamily="18" charset="0"/>
-                <a:cs typeface="Times New Roman" panose="02020603050405020304" pitchFamily="18" charset="0"/>
-              </a:rPr>
-              <a:t>entity</a:t>
-            </a:r>
-            <a:r>
-              <a:rPr lang="en-US" sz="1800" dirty="0">
-                <a:solidFill>
-                  <a:srgbClr val="0000FF"/>
-                </a:solidFill>
-                <a:effectLst/>
-                <a:latin typeface="Courier New" panose="02070309020205020404" pitchFamily="49" charset="0"/>
-                <a:ea typeface="Times New Roman" panose="02020603050405020304" pitchFamily="18" charset="0"/>
-                <a:cs typeface="Times New Roman" panose="02020603050405020304" pitchFamily="18" charset="0"/>
-              </a:rPr>
-              <a:t>}</a:t>
-            </a:r>
-            <a:r>
-              <a:rPr lang="en-US" sz="1800" dirty="0">
-                <a:solidFill>
-                  <a:srgbClr val="A31515"/>
-                </a:solidFill>
-                <a:effectLst/>
-                <a:latin typeface="Courier New" panose="02070309020205020404" pitchFamily="49" charset="0"/>
-                <a:ea typeface="Times New Roman" panose="02020603050405020304" pitchFamily="18" charset="0"/>
-                <a:cs typeface="Times New Roman" panose="02020603050405020304" pitchFamily="18" charset="0"/>
-              </a:rPr>
               <a:t>"</a:t>
             </a:r>
             <a:r>
-              <a:rPr lang="en-US" sz="1800" dirty="0">
+              <a:rPr lang="en-US" sz="1800">
                 <a:solidFill>
                   <a:srgbClr val="000000"/>
                 </a:solidFill>
@@ -5569,7 +5500,7 @@
               </a:rPr>
               <a:t>)</a:t>
             </a:r>
-            <a:endParaRPr lang="ru-RU" sz="2800" dirty="0">
+            <a:endParaRPr lang="ru-RU" sz="2800">
               <a:effectLst/>
               <a:latin typeface="Calibri" panose="020F0502020204030204" pitchFamily="34" charset="0"/>
               <a:ea typeface="Calibri" panose="020F0502020204030204" pitchFamily="34" charset="0"/>
@@ -5586,7 +5517,7 @@
               </a:spcAft>
             </a:pPr>
             <a:r>
-              <a:rPr lang="en-US" sz="1800" dirty="0">
+              <a:rPr lang="en-US" sz="1800">
                 <a:solidFill>
                   <a:srgbClr val="000000"/>
                 </a:solidFill>
@@ -5598,7 +5529,7 @@
               <a:t>        </a:t>
             </a:r>
             <a:r>
-              <a:rPr lang="en-US" sz="1800" dirty="0">
+              <a:rPr lang="en-US" sz="1800">
                 <a:solidFill>
                   <a:srgbClr val="AF00DB"/>
                 </a:solidFill>
@@ -5610,7 +5541,7 @@
               <a:t>return</a:t>
             </a:r>
             <a:r>
-              <a:rPr lang="en-US" sz="1800" dirty="0">
+              <a:rPr lang="en-US" sz="1800">
                 <a:solidFill>
                   <a:srgbClr val="000000"/>
                 </a:solidFill>
@@ -5622,7 +5553,7 @@
               <a:t> </a:t>
             </a:r>
             <a:r>
-              <a:rPr lang="en-US" sz="1800" dirty="0">
+              <a:rPr lang="en-US" sz="1800">
                 <a:solidFill>
                   <a:srgbClr val="001080"/>
                 </a:solidFill>
@@ -5677,6 +5608,363 @@
           <p:cNvPr id="2" name="Заголовок 1">
             <a:extLst>
               <a:ext uri="{FF2B5EF4-FFF2-40B4-BE49-F238E27FC236}">
+                <a16:creationId xmlns:a16="http://schemas.microsoft.com/office/drawing/2014/main" id="{F309AFE1-779E-03C7-D1E1-CE462D8FE27B}"/>
+              </a:ext>
+            </a:extLst>
+          </p:cNvPr>
+          <p:cNvSpPr>
+            <a:spLocks noGrp="1"/>
+          </p:cNvSpPr>
+          <p:nvPr>
+            <p:ph type="title"/>
+          </p:nvPr>
+        </p:nvSpPr>
+        <p:spPr/>
+        <p:txBody>
+          <a:bodyPr/>
+          <a:lstStyle/>
+          <a:p>
+            <a:r>
+              <a:rPr lang="ru-RU" dirty="0"/>
+              <a:t>Реализация</a:t>
+            </a:r>
+            <a:br>
+              <a:rPr lang="ru-RU" dirty="0"/>
+            </a:br>
+            <a:r>
+              <a:rPr lang="ru-RU" dirty="0"/>
+              <a:t>триггера</a:t>
+            </a:r>
+          </a:p>
+        </p:txBody>
+      </p:sp>
+      <p:sp>
+        <p:nvSpPr>
+          <p:cNvPr id="3" name="Объект 2">
+            <a:extLst>
+              <a:ext uri="{FF2B5EF4-FFF2-40B4-BE49-F238E27FC236}">
+                <a16:creationId xmlns:a16="http://schemas.microsoft.com/office/drawing/2014/main" id="{314A62BB-B481-8971-A7FB-88F45E8E3E09}"/>
+              </a:ext>
+            </a:extLst>
+          </p:cNvPr>
+          <p:cNvSpPr>
+            <a:spLocks noGrp="1"/>
+          </p:cNvSpPr>
+          <p:nvPr>
+            <p:ph idx="1"/>
+          </p:nvPr>
+        </p:nvSpPr>
+        <p:spPr>
+          <a:xfrm>
+            <a:off x="4153359" y="365125"/>
+            <a:ext cx="9670217" cy="5973201"/>
+          </a:xfrm>
+        </p:spPr>
+        <p:txBody>
+          <a:bodyPr>
+            <a:normAutofit fontScale="62500" lnSpcReduction="20000"/>
+          </a:bodyPr>
+          <a:lstStyle/>
+          <a:p>
+            <a:pPr marL="0" indent="0">
+              <a:buNone/>
+            </a:pPr>
+            <a:r>
+              <a:rPr lang="en-US" dirty="0"/>
+              <a:t>create or replace function </a:t>
+            </a:r>
+            <a:r>
+              <a:rPr lang="en-US" dirty="0" err="1"/>
+              <a:t>check_stuff</a:t>
+            </a:r>
+            <a:r>
+              <a:rPr lang="en-US" dirty="0"/>
+              <a:t>()</a:t>
+            </a:r>
+          </a:p>
+          <a:p>
+            <a:pPr marL="0" indent="0">
+              <a:buNone/>
+            </a:pPr>
+            <a:r>
+              <a:rPr lang="en-US" dirty="0"/>
+              <a:t>    returns trigger</a:t>
+            </a:r>
+          </a:p>
+          <a:p>
+            <a:pPr marL="0" indent="0">
+              <a:buNone/>
+            </a:pPr>
+            <a:r>
+              <a:rPr lang="en-US" dirty="0"/>
+              <a:t>as $</a:t>
+            </a:r>
+            <a:r>
+              <a:rPr lang="en-US" dirty="0" err="1"/>
+              <a:t>check_stuff</a:t>
+            </a:r>
+            <a:r>
+              <a:rPr lang="en-US" dirty="0"/>
+              <a:t>$</a:t>
+            </a:r>
+          </a:p>
+          <a:p>
+            <a:pPr marL="0" indent="0">
+              <a:buNone/>
+            </a:pPr>
+            <a:r>
+              <a:rPr lang="en-US" dirty="0"/>
+              <a:t>begin</a:t>
+            </a:r>
+          </a:p>
+          <a:p>
+            <a:pPr marL="0" indent="0">
+              <a:buNone/>
+            </a:pPr>
+            <a:r>
+              <a:rPr lang="en-US" dirty="0"/>
+              <a:t>    if not exists(select id, </a:t>
+            </a:r>
+            <a:r>
+              <a:rPr lang="en-US" dirty="0" err="1"/>
+              <a:t>job_id</a:t>
+            </a:r>
+            <a:r>
+              <a:rPr lang="en-US" dirty="0"/>
+              <a:t> from stuff where id=</a:t>
+            </a:r>
+            <a:r>
+              <a:rPr lang="en-US" dirty="0" err="1"/>
+              <a:t>new.doctor_id</a:t>
+            </a:r>
+            <a:r>
+              <a:rPr lang="en-US" dirty="0"/>
+              <a:t> and </a:t>
+            </a:r>
+            <a:r>
+              <a:rPr lang="en-US" dirty="0" err="1"/>
+              <a:t>job_id</a:t>
+            </a:r>
+            <a:r>
+              <a:rPr lang="en-US" dirty="0"/>
+              <a:t>=3) then</a:t>
+            </a:r>
+          </a:p>
+          <a:p>
+            <a:pPr marL="0" indent="0">
+              <a:buNone/>
+            </a:pPr>
+            <a:r>
+              <a:rPr lang="en-US" dirty="0"/>
+              <a:t>        raise exception 'Only doctor can hold a visit';</a:t>
+            </a:r>
+          </a:p>
+          <a:p>
+            <a:pPr marL="0" indent="0">
+              <a:buNone/>
+            </a:pPr>
+            <a:r>
+              <a:rPr lang="en-US" dirty="0"/>
+              <a:t>    end if;</a:t>
+            </a:r>
+          </a:p>
+          <a:p>
+            <a:pPr marL="0" indent="0">
+              <a:buNone/>
+            </a:pPr>
+            <a:r>
+              <a:rPr lang="en-US" dirty="0"/>
+              <a:t>    if </a:t>
+            </a:r>
+            <a:r>
+              <a:rPr lang="en-US" dirty="0" err="1"/>
+              <a:t>new.date</a:t>
+            </a:r>
+            <a:r>
+              <a:rPr lang="en-US" dirty="0"/>
+              <a:t> not in(</a:t>
+            </a:r>
+          </a:p>
+          <a:p>
+            <a:pPr marL="0" indent="0">
+              <a:buNone/>
+            </a:pPr>
+            <a:r>
+              <a:rPr lang="en-US" dirty="0"/>
+              <a:t>        select date from </a:t>
+            </a:r>
+            <a:r>
+              <a:rPr lang="en-US" dirty="0" err="1"/>
+              <a:t>stuff_workdays</a:t>
+            </a:r>
+            <a:r>
+              <a:rPr lang="en-US" dirty="0"/>
+              <a:t> s where </a:t>
+            </a:r>
+            <a:r>
+              <a:rPr lang="en-US" dirty="0" err="1"/>
+              <a:t>s.stuff_id</a:t>
+            </a:r>
+            <a:r>
+              <a:rPr lang="en-US" dirty="0"/>
+              <a:t>=</a:t>
+            </a:r>
+            <a:r>
+              <a:rPr lang="en-US" dirty="0" err="1"/>
+              <a:t>new.doctor_id</a:t>
+            </a:r>
+            <a:endParaRPr lang="en-US" dirty="0"/>
+          </a:p>
+          <a:p>
+            <a:pPr marL="0" indent="0">
+              <a:buNone/>
+            </a:pPr>
+            <a:r>
+              <a:rPr lang="en-US" dirty="0"/>
+              <a:t>    ) then</a:t>
+            </a:r>
+          </a:p>
+          <a:p>
+            <a:pPr marL="0" indent="0">
+              <a:buNone/>
+            </a:pPr>
+            <a:r>
+              <a:rPr lang="en-US" dirty="0"/>
+              <a:t>        raise exception 'Doctor cannot hold a visit on a non-working day';</a:t>
+            </a:r>
+          </a:p>
+          <a:p>
+            <a:pPr marL="0" indent="0">
+              <a:buNone/>
+            </a:pPr>
+            <a:r>
+              <a:rPr lang="en-US" dirty="0"/>
+              <a:t>    end if;</a:t>
+            </a:r>
+          </a:p>
+          <a:p>
+            <a:pPr marL="0" indent="0">
+              <a:buNone/>
+            </a:pPr>
+            <a:r>
+              <a:rPr lang="en-US" dirty="0"/>
+              <a:t>    return new;</a:t>
+            </a:r>
+          </a:p>
+          <a:p>
+            <a:pPr marL="0" indent="0">
+              <a:buNone/>
+            </a:pPr>
+            <a:r>
+              <a:rPr lang="en-US" dirty="0"/>
+              <a:t>end;</a:t>
+            </a:r>
+          </a:p>
+          <a:p>
+            <a:pPr marL="0" indent="0">
+              <a:buNone/>
+            </a:pPr>
+            <a:r>
+              <a:rPr lang="en-US" dirty="0"/>
+              <a:t>$</a:t>
+            </a:r>
+            <a:r>
+              <a:rPr lang="en-US" dirty="0" err="1"/>
+              <a:t>check_stuff</a:t>
+            </a:r>
+            <a:r>
+              <a:rPr lang="en-US" dirty="0"/>
+              <a:t>$ language </a:t>
+            </a:r>
+            <a:r>
+              <a:rPr lang="en-US" dirty="0" err="1"/>
+              <a:t>plpgsql</a:t>
+            </a:r>
+            <a:r>
+              <a:rPr lang="en-US" dirty="0"/>
+              <a:t>;</a:t>
+            </a:r>
+          </a:p>
+          <a:p>
+            <a:pPr marL="0" indent="0">
+              <a:buNone/>
+            </a:pPr>
+            <a:endParaRPr lang="en-US" dirty="0"/>
+          </a:p>
+          <a:p>
+            <a:pPr marL="0" indent="0">
+              <a:buNone/>
+            </a:pPr>
+            <a:r>
+              <a:rPr lang="en-US" dirty="0"/>
+              <a:t>create trigger </a:t>
+            </a:r>
+            <a:r>
+              <a:rPr lang="en-US" dirty="0" err="1"/>
+              <a:t>check_stuff</a:t>
+            </a:r>
+            <a:r>
+              <a:rPr lang="en-US" dirty="0"/>
+              <a:t> before insert or update on visit</a:t>
+            </a:r>
+          </a:p>
+          <a:p>
+            <a:pPr marL="0" indent="0">
+              <a:buNone/>
+            </a:pPr>
+            <a:r>
+              <a:rPr lang="en-US" dirty="0"/>
+              <a:t>    for each row execute function </a:t>
+            </a:r>
+            <a:r>
+              <a:rPr lang="en-US" dirty="0" err="1"/>
+              <a:t>check_stuff</a:t>
+            </a:r>
+            <a:r>
+              <a:rPr lang="en-US" dirty="0"/>
+              <a:t>();</a:t>
+            </a:r>
+          </a:p>
+          <a:p>
+            <a:endParaRPr lang="ru-RU" dirty="0"/>
+          </a:p>
+        </p:txBody>
+      </p:sp>
+    </p:spTree>
+    <p:extLst>
+      <p:ext uri="{BB962C8B-B14F-4D97-AF65-F5344CB8AC3E}">
+        <p14:creationId xmlns:p14="http://schemas.microsoft.com/office/powerpoint/2010/main" val="713738162"/>
+      </p:ext>
+    </p:extLst>
+  </p:cSld>
+  <p:clrMapOvr>
+    <a:masterClrMapping/>
+  </p:clrMapOvr>
+</p:sld>
+</file>
+
+<file path=ppt/slides/slide12.xml><?xml version="1.0" encoding="utf-8"?>
+<p:sld xmlns:a="http://schemas.openxmlformats.org/drawingml/2006/main" xmlns:r="http://schemas.openxmlformats.org/officeDocument/2006/relationships" xmlns:p="http://schemas.openxmlformats.org/presentationml/2006/main">
+  <p:cSld>
+    <p:spTree>
+      <p:nvGrpSpPr>
+        <p:cNvPr id="1" name=""/>
+        <p:cNvGrpSpPr/>
+        <p:nvPr/>
+      </p:nvGrpSpPr>
+      <p:grpSpPr>
+        <a:xfrm>
+          <a:off x="0" y="0"/>
+          <a:ext cx="0" cy="0"/>
+          <a:chOff x="0" y="0"/>
+          <a:chExt cx="0" cy="0"/>
+        </a:xfrm>
+      </p:grpSpPr>
+      <p:sp>
+        <p:nvSpPr>
+          <p:cNvPr id="2" name="Заголовок 1">
+            <a:extLst>
+              <a:ext uri="{FF2B5EF4-FFF2-40B4-BE49-F238E27FC236}">
                 <a16:creationId xmlns:a16="http://schemas.microsoft.com/office/drawing/2014/main" id="{4536FA1F-C0DC-160F-917D-008FBBEA6FDC}"/>
               </a:ext>
             </a:extLst>
@@ -8050,7 +8338,7 @@
 </p:sld>
 </file>
 
-<file path=ppt/slides/slide12.xml><?xml version="1.0" encoding="utf-8"?>
+<file path=ppt/slides/slide13.xml><?xml version="1.0" encoding="utf-8"?>
 <p:sld xmlns:a="http://schemas.openxmlformats.org/drawingml/2006/main" xmlns:r="http://schemas.openxmlformats.org/officeDocument/2006/relationships" xmlns:p="http://schemas.openxmlformats.org/presentationml/2006/main">
   <p:cSld>
     <p:spTree>
@@ -8156,7 +8444,7 @@
 </p:sld>
 </file>
 
-<file path=ppt/slides/slide13.xml><?xml version="1.0" encoding="utf-8"?>
+<file path=ppt/slides/slide14.xml><?xml version="1.0" encoding="utf-8"?>
 <p:sld xmlns:a="http://schemas.openxmlformats.org/drawingml/2006/main" xmlns:r="http://schemas.openxmlformats.org/officeDocument/2006/relationships" xmlns:p="http://schemas.openxmlformats.org/presentationml/2006/main">
   <p:cSld>
     <p:spTree>
@@ -8298,7 +8586,7 @@
 </p:sld>
 </file>
 
-<file path=ppt/slides/slide14.xml><?xml version="1.0" encoding="utf-8"?>
+<file path=ppt/slides/slide15.xml><?xml version="1.0" encoding="utf-8"?>
 <p:sld xmlns:a="http://schemas.openxmlformats.org/drawingml/2006/main" xmlns:r="http://schemas.openxmlformats.org/officeDocument/2006/relationships" xmlns:p="http://schemas.openxmlformats.org/presentationml/2006/main">
   <p:cSld>
     <p:spTree>
@@ -8397,7 +8685,7 @@
 </p:sld>
 </file>
 
-<file path=ppt/slides/slide15.xml><?xml version="1.0" encoding="utf-8"?>
+<file path=ppt/slides/slide16.xml><?xml version="1.0" encoding="utf-8"?>
 <p:sld xmlns:a="http://schemas.openxmlformats.org/drawingml/2006/main" xmlns:r="http://schemas.openxmlformats.org/officeDocument/2006/relationships" xmlns:p="http://schemas.openxmlformats.org/presentationml/2006/main">
   <p:cSld>
     <p:spTree>
@@ -8513,12 +8801,8 @@
           </a:p>
           <a:p>
             <a:r>
-              <a:rPr lang="ru-RU" dirty="0" err="1"/>
-              <a:t>Протестированны</a:t>
-            </a:r>
-            <a:r>
               <a:rPr lang="ru-RU" dirty="0"/>
-              <a:t> сценарии взаимодействия пользователя и базы данных.</a:t>
+              <a:t>Протестированы сценарии взаимодействия пользователя и базы данных.</a:t>
             </a:r>
           </a:p>
         </p:txBody>
@@ -8527,6 +8811,104 @@
     <p:extLst>
       <p:ext uri="{BB962C8B-B14F-4D97-AF65-F5344CB8AC3E}">
         <p14:creationId xmlns:p14="http://schemas.microsoft.com/office/powerpoint/2010/main" val="2793423434"/>
+      </p:ext>
+    </p:extLst>
+  </p:cSld>
+  <p:clrMapOvr>
+    <a:masterClrMapping/>
+  </p:clrMapOvr>
+</p:sld>
+</file>
+
+<file path=ppt/slides/slide17.xml><?xml version="1.0" encoding="utf-8"?>
+<p:sld xmlns:a="http://schemas.openxmlformats.org/drawingml/2006/main" xmlns:r="http://schemas.openxmlformats.org/officeDocument/2006/relationships" xmlns:p="http://schemas.openxmlformats.org/presentationml/2006/main">
+  <p:cSld>
+    <p:spTree>
+      <p:nvGrpSpPr>
+        <p:cNvPr id="1" name=""/>
+        <p:cNvGrpSpPr/>
+        <p:nvPr/>
+      </p:nvGrpSpPr>
+      <p:grpSpPr>
+        <a:xfrm>
+          <a:off x="0" y="0"/>
+          <a:ext cx="0" cy="0"/>
+          <a:chOff x="0" y="0"/>
+          <a:chExt cx="0" cy="0"/>
+        </a:xfrm>
+      </p:grpSpPr>
+      <p:sp>
+        <p:nvSpPr>
+          <p:cNvPr id="2" name="Заголовок 1">
+            <a:extLst>
+              <a:ext uri="{FF2B5EF4-FFF2-40B4-BE49-F238E27FC236}">
+                <a16:creationId xmlns:a16="http://schemas.microsoft.com/office/drawing/2014/main" id="{3EBDC292-8AB7-5868-5639-5F599421BB26}"/>
+              </a:ext>
+            </a:extLst>
+          </p:cNvPr>
+          <p:cNvSpPr>
+            <a:spLocks noGrp="1"/>
+          </p:cNvSpPr>
+          <p:nvPr>
+            <p:ph type="title"/>
+          </p:nvPr>
+        </p:nvSpPr>
+        <p:spPr/>
+        <p:txBody>
+          <a:bodyPr/>
+          <a:lstStyle/>
+          <a:p>
+            <a:r>
+              <a:rPr lang="ru-RU" dirty="0"/>
+              <a:t>Дальнейшая разработка</a:t>
+            </a:r>
+          </a:p>
+        </p:txBody>
+      </p:sp>
+      <p:sp>
+        <p:nvSpPr>
+          <p:cNvPr id="3" name="Объект 2">
+            <a:extLst>
+              <a:ext uri="{FF2B5EF4-FFF2-40B4-BE49-F238E27FC236}">
+                <a16:creationId xmlns:a16="http://schemas.microsoft.com/office/drawing/2014/main" id="{F84A120B-7E21-6EF5-7DD2-8B962B084D7C}"/>
+              </a:ext>
+            </a:extLst>
+          </p:cNvPr>
+          <p:cNvSpPr>
+            <a:spLocks noGrp="1"/>
+          </p:cNvSpPr>
+          <p:nvPr>
+            <p:ph idx="1"/>
+          </p:nvPr>
+        </p:nvSpPr>
+        <p:spPr/>
+        <p:txBody>
+          <a:bodyPr/>
+          <a:lstStyle/>
+          <a:p>
+            <a:r>
+              <a:rPr lang="ru-RU" dirty="0"/>
+              <a:t>Авторизация, разделение возможностей приложений</a:t>
+            </a:r>
+          </a:p>
+          <a:p>
+            <a:r>
+              <a:rPr lang="ru-RU" dirty="0"/>
+              <a:t>Внесение анкет пациентов, врачей</a:t>
+            </a:r>
+          </a:p>
+          <a:p>
+            <a:r>
+              <a:rPr lang="ru-RU" dirty="0"/>
+              <a:t>Внесение новых процедур</a:t>
+            </a:r>
+          </a:p>
+        </p:txBody>
+      </p:sp>
+    </p:spTree>
+    <p:extLst>
+      <p:ext uri="{BB962C8B-B14F-4D97-AF65-F5344CB8AC3E}">
+        <p14:creationId xmlns:p14="http://schemas.microsoft.com/office/powerpoint/2010/main" val="1325465961"/>
       </p:ext>
     </p:extLst>
   </p:cSld>
